--- a/PCBA allocation procedure and logic - Dec 11.pptx
+++ b/PCBA allocation procedure and logic - Dec 11.pptx
@@ -237,7 +237,7 @@
           <a:p>
             <a:fld id="{055D18FD-D4CC-4163-B221-261AEA246121}" type="datetimeFigureOut">
               <a:rPr lang="en-US" smtClean="0"/>
-              <a:t>12/10/20</a:t>
+              <a:t>12/15/20</a:t>
             </a:fld>
             <a:endParaRPr lang="en-US"/>
           </a:p>
@@ -572,14 +572,14 @@
           </a:ln>
           <a:extLst>
             <a:ext uri="{909E8E84-426E-40dd-AFC4-6F175D3DCCD1}">
-              <a14:hiddenFill xmlns="" xmlns:a14="http://schemas.microsoft.com/office/drawing/2010/main">
+              <a14:hiddenFill xmlns:a14="http://schemas.microsoft.com/office/drawing/2010/main" xmlns="">
                 <a:solidFill>
                   <a:srgbClr val="FFFFFF"/>
                 </a:solidFill>
               </a14:hiddenFill>
             </a:ext>
             <a:ext uri="{91240B29-F687-4f45-9708-019B960494DF}">
-              <a14:hiddenLine xmlns="" xmlns:a14="http://schemas.microsoft.com/office/drawing/2010/main" w="9525">
+              <a14:hiddenLine xmlns:a14="http://schemas.microsoft.com/office/drawing/2010/main" xmlns="" w="9525">
                 <a:solidFill>
                   <a:srgbClr val="000000"/>
                 </a:solidFill>
@@ -1364,14 +1364,14 @@
           </a:ln>
           <a:extLst>
             <a:ext uri="{909E8E84-426E-40dd-AFC4-6F175D3DCCD1}">
-              <a14:hiddenFill xmlns="" xmlns:a14="http://schemas.microsoft.com/office/drawing/2010/main">
+              <a14:hiddenFill xmlns:a14="http://schemas.microsoft.com/office/drawing/2010/main" xmlns="">
                 <a:solidFill>
                   <a:srgbClr val="FFFFFF"/>
                 </a:solidFill>
               </a14:hiddenFill>
             </a:ext>
             <a:ext uri="{91240B29-F687-4f45-9708-019B960494DF}">
-              <a14:hiddenLine xmlns="" xmlns:a14="http://schemas.microsoft.com/office/drawing/2010/main" w="9525">
+              <a14:hiddenLine xmlns:a14="http://schemas.microsoft.com/office/drawing/2010/main" xmlns="" w="9525">
                 <a:solidFill>
                   <a:srgbClr val="000000"/>
                 </a:solidFill>
@@ -1760,14 +1760,14 @@
           </a:ln>
           <a:extLst>
             <a:ext uri="{909E8E84-426E-40dd-AFC4-6F175D3DCCD1}">
-              <a14:hiddenFill xmlns="" xmlns:a14="http://schemas.microsoft.com/office/drawing/2010/main">
+              <a14:hiddenFill xmlns:a14="http://schemas.microsoft.com/office/drawing/2010/main" xmlns="">
                 <a:solidFill>
                   <a:srgbClr val="FFFFFF"/>
                 </a:solidFill>
               </a14:hiddenFill>
             </a:ext>
             <a:ext uri="{91240B29-F687-4f45-9708-019B960494DF}">
-              <a14:hiddenLine xmlns="" xmlns:a14="http://schemas.microsoft.com/office/drawing/2010/main" w="9525">
+              <a14:hiddenLine xmlns:a14="http://schemas.microsoft.com/office/drawing/2010/main" xmlns="" w="9525">
                 <a:solidFill>
                   <a:srgbClr val="000000"/>
                 </a:solidFill>
@@ -3409,14 +3409,14 @@
           </a:ln>
           <a:extLst>
             <a:ext uri="{909E8E84-426E-40dd-AFC4-6F175D3DCCD1}">
-              <a14:hiddenFill xmlns="" xmlns:a14="http://schemas.microsoft.com/office/drawing/2010/main">
+              <a14:hiddenFill xmlns:a14="http://schemas.microsoft.com/office/drawing/2010/main" xmlns="">
                 <a:solidFill>
                   <a:srgbClr val="FFFFFF"/>
                 </a:solidFill>
               </a14:hiddenFill>
             </a:ext>
             <a:ext uri="{91240B29-F687-4f45-9708-019B960494DF}">
-              <a14:hiddenLine xmlns="" xmlns:a14="http://schemas.microsoft.com/office/drawing/2010/main" w="9525">
+              <a14:hiddenLine xmlns:a14="http://schemas.microsoft.com/office/drawing/2010/main" xmlns="" w="9525">
                 <a:solidFill>
                   <a:srgbClr val="000000"/>
                 </a:solidFill>
@@ -3505,14 +3505,14 @@
           </a:ln>
           <a:extLst>
             <a:ext uri="{909E8E84-426E-40dd-AFC4-6F175D3DCCD1}">
-              <a14:hiddenFill xmlns="" xmlns:a14="http://schemas.microsoft.com/office/drawing/2010/main">
+              <a14:hiddenFill xmlns:a14="http://schemas.microsoft.com/office/drawing/2010/main" xmlns="">
                 <a:solidFill>
                   <a:srgbClr val="FFFFFF"/>
                 </a:solidFill>
               </a14:hiddenFill>
             </a:ext>
             <a:ext uri="{91240B29-F687-4f45-9708-019B960494DF}">
-              <a14:hiddenLine xmlns="" xmlns:a14="http://schemas.microsoft.com/office/drawing/2010/main" w="9525">
+              <a14:hiddenLine xmlns:a14="http://schemas.microsoft.com/office/drawing/2010/main" xmlns="" w="9525">
                 <a:solidFill>
                   <a:srgbClr val="000000"/>
                 </a:solidFill>
@@ -4040,14 +4040,14 @@
           </a:ln>
           <a:extLst>
             <a:ext uri="{909E8E84-426E-40dd-AFC4-6F175D3DCCD1}">
-              <a14:hiddenFill xmlns="" xmlns:a14="http://schemas.microsoft.com/office/drawing/2010/main">
+              <a14:hiddenFill xmlns:a14="http://schemas.microsoft.com/office/drawing/2010/main" xmlns="">
                 <a:solidFill>
                   <a:srgbClr val="FFFFFF"/>
                 </a:solidFill>
               </a14:hiddenFill>
             </a:ext>
             <a:ext uri="{91240B29-F687-4f45-9708-019B960494DF}">
-              <a14:hiddenLine xmlns="" xmlns:a14="http://schemas.microsoft.com/office/drawing/2010/main" w="9525">
+              <a14:hiddenLine xmlns:a14="http://schemas.microsoft.com/office/drawing/2010/main" xmlns="" w="9525">
                 <a:solidFill>
                   <a:srgbClr val="000000"/>
                 </a:solidFill>
@@ -4516,14 +4516,14 @@
           </a:ln>
           <a:extLst>
             <a:ext uri="{909E8E84-426E-40dd-AFC4-6F175D3DCCD1}">
-              <a14:hiddenFill xmlns="" xmlns:a14="http://schemas.microsoft.com/office/drawing/2010/main">
+              <a14:hiddenFill xmlns:a14="http://schemas.microsoft.com/office/drawing/2010/main" xmlns="">
                 <a:solidFill>
                   <a:srgbClr val="FFFFFF"/>
                 </a:solidFill>
               </a14:hiddenFill>
             </a:ext>
             <a:ext uri="{91240B29-F687-4f45-9708-019B960494DF}">
-              <a14:hiddenLine xmlns="" xmlns:a14="http://schemas.microsoft.com/office/drawing/2010/main" w="9525">
+              <a14:hiddenLine xmlns:a14="http://schemas.microsoft.com/office/drawing/2010/main" xmlns="" w="9525">
                 <a:solidFill>
                   <a:srgbClr val="000000"/>
                 </a:solidFill>
@@ -4737,14 +4737,14 @@
           </a:ln>
           <a:extLst>
             <a:ext uri="{909E8E84-426E-40dd-AFC4-6F175D3DCCD1}">
-              <a14:hiddenFill xmlns="" xmlns:a14="http://schemas.microsoft.com/office/drawing/2010/main">
+              <a14:hiddenFill xmlns:a14="http://schemas.microsoft.com/office/drawing/2010/main" xmlns="">
                 <a:solidFill>
                   <a:srgbClr val="FFFFFF"/>
                 </a:solidFill>
               </a14:hiddenFill>
             </a:ext>
             <a:ext uri="{91240B29-F687-4f45-9708-019B960494DF}">
-              <a14:hiddenLine xmlns="" xmlns:a14="http://schemas.microsoft.com/office/drawing/2010/main" w="9525">
+              <a14:hiddenLine xmlns:a14="http://schemas.microsoft.com/office/drawing/2010/main" xmlns="" w="9525">
                 <a:solidFill>
                   <a:srgbClr val="000000"/>
                 </a:solidFill>
@@ -4958,14 +4958,14 @@
           </a:ln>
           <a:extLst>
             <a:ext uri="{909E8E84-426E-40dd-AFC4-6F175D3DCCD1}">
-              <a14:hiddenFill xmlns="" xmlns:a14="http://schemas.microsoft.com/office/drawing/2010/main">
+              <a14:hiddenFill xmlns:a14="http://schemas.microsoft.com/office/drawing/2010/main" xmlns="">
                 <a:solidFill>
                   <a:srgbClr val="FFFFFF"/>
                 </a:solidFill>
               </a14:hiddenFill>
             </a:ext>
             <a:ext uri="{91240B29-F687-4f45-9708-019B960494DF}">
-              <a14:hiddenLine xmlns="" xmlns:a14="http://schemas.microsoft.com/office/drawing/2010/main" w="9525">
+              <a14:hiddenLine xmlns:a14="http://schemas.microsoft.com/office/drawing/2010/main" xmlns="" w="9525">
                 <a:solidFill>
                   <a:srgbClr val="000000"/>
                 </a:solidFill>
@@ -5627,7 +5627,7 @@
           </a:ln>
           <a:extLst>
             <a:ext uri="{91240B29-F687-4f45-9708-019B960494DF}">
-              <a14:hiddenLine xmlns="" xmlns:a14="http://schemas.microsoft.com/office/drawing/2010/main" w="25400" algn="ctr">
+              <a14:hiddenLine xmlns:a14="http://schemas.microsoft.com/office/drawing/2010/main" xmlns="" w="25400" algn="ctr">
                 <a:solidFill>
                   <a:srgbClr val="000000"/>
                 </a:solidFill>
@@ -5783,7 +5783,7 @@
           </a:ln>
           <a:extLst>
             <a:ext uri="{91240B29-F687-4f45-9708-019B960494DF}">
-              <a14:hiddenLine xmlns="" xmlns:a14="http://schemas.microsoft.com/office/drawing/2010/main" w="25400" algn="ctr">
+              <a14:hiddenLine xmlns:a14="http://schemas.microsoft.com/office/drawing/2010/main" xmlns="" w="25400" algn="ctr">
                 <a:solidFill>
                   <a:srgbClr val="000000"/>
                 </a:solidFill>
@@ -5939,7 +5939,7 @@
           </a:ln>
           <a:extLst>
             <a:ext uri="{91240B29-F687-4f45-9708-019B960494DF}">
-              <a14:hiddenLine xmlns="" xmlns:a14="http://schemas.microsoft.com/office/drawing/2010/main" w="25400" algn="ctr">
+              <a14:hiddenLine xmlns:a14="http://schemas.microsoft.com/office/drawing/2010/main" xmlns="" w="25400" algn="ctr">
                 <a:solidFill>
                   <a:srgbClr val="000000"/>
                 </a:solidFill>
@@ -6093,14 +6093,14 @@
           </a:ln>
           <a:extLst>
             <a:ext uri="{909E8E84-426E-40dd-AFC4-6F175D3DCCD1}">
-              <a14:hiddenFill xmlns="" xmlns:a14="http://schemas.microsoft.com/office/drawing/2010/main">
+              <a14:hiddenFill xmlns:a14="http://schemas.microsoft.com/office/drawing/2010/main" xmlns="">
                 <a:solidFill>
                   <a:srgbClr val="FFFFFF"/>
                 </a:solidFill>
               </a14:hiddenFill>
             </a:ext>
             <a:ext uri="{91240B29-F687-4f45-9708-019B960494DF}">
-              <a14:hiddenLine xmlns="" xmlns:a14="http://schemas.microsoft.com/office/drawing/2010/main" w="9525">
+              <a14:hiddenLine xmlns:a14="http://schemas.microsoft.com/office/drawing/2010/main" xmlns="" w="9525">
                 <a:solidFill>
                   <a:srgbClr val="000000"/>
                 </a:solidFill>
@@ -12965,14 +12965,14 @@
           <a:noFill/>
           <a:extLst>
             <a:ext uri="{909E8E84-426E-40dd-AFC4-6F175D3DCCD1}">
-              <a14:hiddenFill xmlns="" xmlns:a14="http://schemas.microsoft.com/office/drawing/2010/main">
+              <a14:hiddenFill xmlns:a14="http://schemas.microsoft.com/office/drawing/2010/main" xmlns="">
                 <a:solidFill>
                   <a:srgbClr val="FFFFFF"/>
                 </a:solidFill>
               </a14:hiddenFill>
             </a:ext>
             <a:ext uri="{91240B29-F687-4f45-9708-019B960494DF}">
-              <a14:hiddenLine xmlns="" xmlns:a14="http://schemas.microsoft.com/office/drawing/2010/main" w="9525">
+              <a14:hiddenLine xmlns:a14="http://schemas.microsoft.com/office/drawing/2010/main" xmlns="" w="9525">
                 <a:solidFill>
                   <a:srgbClr val="000000"/>
                 </a:solidFill>
@@ -15395,14 +15395,14 @@
           </a:ln>
           <a:extLst>
             <a:ext uri="{909E8E84-426E-40dd-AFC4-6F175D3DCCD1}">
-              <a14:hiddenFill xmlns="" xmlns:a14="http://schemas.microsoft.com/office/drawing/2010/main">
+              <a14:hiddenFill xmlns:a14="http://schemas.microsoft.com/office/drawing/2010/main" xmlns="">
                 <a:solidFill>
                   <a:srgbClr val="FFFFFF"/>
                 </a:solidFill>
               </a14:hiddenFill>
             </a:ext>
             <a:ext uri="{91240B29-F687-4f45-9708-019B960494DF}">
-              <a14:hiddenLine xmlns="" xmlns:a14="http://schemas.microsoft.com/office/drawing/2010/main" w="9525">
+              <a14:hiddenLine xmlns:a14="http://schemas.microsoft.com/office/drawing/2010/main" xmlns="" w="9525">
                 <a:solidFill>
                   <a:srgbClr val="000000"/>
                 </a:solidFill>
@@ -15699,14 +15699,14 @@
           </a:ln>
           <a:extLst>
             <a:ext uri="{909E8E84-426E-40dd-AFC4-6F175D3DCCD1}">
-              <a14:hiddenFill xmlns="" xmlns:a14="http://schemas.microsoft.com/office/drawing/2010/main">
+              <a14:hiddenFill xmlns:a14="http://schemas.microsoft.com/office/drawing/2010/main" xmlns="">
                 <a:solidFill>
                   <a:srgbClr val="FFFFFF"/>
                 </a:solidFill>
               </a14:hiddenFill>
             </a:ext>
             <a:ext uri="{91240B29-F687-4f45-9708-019B960494DF}">
-              <a14:hiddenLine xmlns="" xmlns:a14="http://schemas.microsoft.com/office/drawing/2010/main" w="9525">
+              <a14:hiddenLine xmlns:a14="http://schemas.microsoft.com/office/drawing/2010/main" xmlns="" w="9525">
                 <a:solidFill>
                   <a:srgbClr val="000000"/>
                 </a:solidFill>
@@ -15829,14 +15829,14 @@
           </a:ln>
           <a:extLst>
             <a:ext uri="{909E8E84-426E-40dd-AFC4-6F175D3DCCD1}">
-              <a14:hiddenFill xmlns="" xmlns:a14="http://schemas.microsoft.com/office/drawing/2010/main">
+              <a14:hiddenFill xmlns:a14="http://schemas.microsoft.com/office/drawing/2010/main" xmlns="">
                 <a:solidFill>
                   <a:srgbClr val="FFFFFF"/>
                 </a:solidFill>
               </a14:hiddenFill>
             </a:ext>
             <a:ext uri="{91240B29-F687-4f45-9708-019B960494DF}">
-              <a14:hiddenLine xmlns="" xmlns:a14="http://schemas.microsoft.com/office/drawing/2010/main" w="9525">
+              <a14:hiddenLine xmlns:a14="http://schemas.microsoft.com/office/drawing/2010/main" xmlns="" w="9525">
                 <a:solidFill>
                   <a:srgbClr val="000000"/>
                 </a:solidFill>
@@ -16067,14 +16067,14 @@
           <a:noFill/>
           <a:extLst>
             <a:ext uri="{909E8E84-426E-40dd-AFC4-6F175D3DCCD1}">
-              <a14:hiddenFill xmlns="" xmlns:a14="http://schemas.microsoft.com/office/drawing/2010/main">
+              <a14:hiddenFill xmlns:a14="http://schemas.microsoft.com/office/drawing/2010/main" xmlns="">
                 <a:solidFill>
                   <a:srgbClr val="FFFFFF"/>
                 </a:solidFill>
               </a14:hiddenFill>
             </a:ext>
             <a:ext uri="{91240B29-F687-4f45-9708-019B960494DF}">
-              <a14:hiddenLine xmlns="" xmlns:a14="http://schemas.microsoft.com/office/drawing/2010/main" w="9525">
+              <a14:hiddenLine xmlns:a14="http://schemas.microsoft.com/office/drawing/2010/main" xmlns="" w="9525">
                 <a:solidFill>
                   <a:srgbClr val="000000"/>
                 </a:solidFill>
@@ -18040,14 +18040,14 @@
           <a:noFill/>
           <a:extLst>
             <a:ext uri="{909E8E84-426E-40dd-AFC4-6F175D3DCCD1}">
-              <a14:hiddenFill xmlns="" xmlns:a14="http://schemas.microsoft.com/office/drawing/2010/main">
+              <a14:hiddenFill xmlns:a14="http://schemas.microsoft.com/office/drawing/2010/main" xmlns="">
                 <a:solidFill>
                   <a:srgbClr val="FFFFFF"/>
                 </a:solidFill>
               </a14:hiddenFill>
             </a:ext>
             <a:ext uri="{91240B29-F687-4f45-9708-019B960494DF}">
-              <a14:hiddenLine xmlns="" xmlns:a14="http://schemas.microsoft.com/office/drawing/2010/main" w="9525">
+              <a14:hiddenLine xmlns:a14="http://schemas.microsoft.com/office/drawing/2010/main" xmlns="" w="9525">
                 <a:solidFill>
                   <a:srgbClr val="000000"/>
                 </a:solidFill>
@@ -18428,14 +18428,14 @@
           </a:ln>
           <a:extLst>
             <a:ext uri="{909E8E84-426E-40dd-AFC4-6F175D3DCCD1}">
-              <a14:hiddenFill xmlns="" xmlns:a14="http://schemas.microsoft.com/office/drawing/2010/main">
+              <a14:hiddenFill xmlns:a14="http://schemas.microsoft.com/office/drawing/2010/main" xmlns="">
                 <a:solidFill>
                   <a:srgbClr val="FFFFFF"/>
                 </a:solidFill>
               </a14:hiddenFill>
             </a:ext>
             <a:ext uri="{91240B29-F687-4f45-9708-019B960494DF}">
-              <a14:hiddenLine xmlns="" xmlns:a14="http://schemas.microsoft.com/office/drawing/2010/main" w="9525">
+              <a14:hiddenLine xmlns:a14="http://schemas.microsoft.com/office/drawing/2010/main" xmlns="" w="9525">
                 <a:solidFill>
                   <a:srgbClr val="000000"/>
                 </a:solidFill>
@@ -18642,14 +18642,14 @@
           </a:ln>
           <a:extLst>
             <a:ext uri="{909E8E84-426E-40dd-AFC4-6F175D3DCCD1}">
-              <a14:hiddenFill xmlns="" xmlns:a14="http://schemas.microsoft.com/office/drawing/2010/main">
+              <a14:hiddenFill xmlns:a14="http://schemas.microsoft.com/office/drawing/2010/main" xmlns="">
                 <a:solidFill>
                   <a:srgbClr val="FFFFFF"/>
                 </a:solidFill>
               </a14:hiddenFill>
             </a:ext>
             <a:ext uri="{91240B29-F687-4f45-9708-019B960494DF}">
-              <a14:hiddenLine xmlns="" xmlns:a14="http://schemas.microsoft.com/office/drawing/2010/main" w="9525">
+              <a14:hiddenLine xmlns:a14="http://schemas.microsoft.com/office/drawing/2010/main" xmlns="" w="9525">
                 <a:solidFill>
                   <a:srgbClr val="000000"/>
                 </a:solidFill>
@@ -18868,14 +18868,14 @@
           </a:ln>
           <a:extLst>
             <a:ext uri="{909E8E84-426E-40dd-AFC4-6F175D3DCCD1}">
-              <a14:hiddenFill xmlns="" xmlns:a14="http://schemas.microsoft.com/office/drawing/2010/main">
+              <a14:hiddenFill xmlns:a14="http://schemas.microsoft.com/office/drawing/2010/main" xmlns="">
                 <a:solidFill>
                   <a:srgbClr val="FFFFFF"/>
                 </a:solidFill>
               </a14:hiddenFill>
             </a:ext>
             <a:ext uri="{91240B29-F687-4f45-9708-019B960494DF}">
-              <a14:hiddenLine xmlns="" xmlns:a14="http://schemas.microsoft.com/office/drawing/2010/main" w="9525">
+              <a14:hiddenLine xmlns:a14="http://schemas.microsoft.com/office/drawing/2010/main" xmlns="" w="9525">
                 <a:solidFill>
                   <a:srgbClr val="000000"/>
                 </a:solidFill>
@@ -19085,14 +19085,14 @@
           </a:ln>
           <a:extLst>
             <a:ext uri="{909E8E84-426E-40dd-AFC4-6F175D3DCCD1}">
-              <a14:hiddenFill xmlns="" xmlns:a14="http://schemas.microsoft.com/office/drawing/2010/main">
+              <a14:hiddenFill xmlns:a14="http://schemas.microsoft.com/office/drawing/2010/main" xmlns="">
                 <a:solidFill>
                   <a:srgbClr val="FFFFFF"/>
                 </a:solidFill>
               </a14:hiddenFill>
             </a:ext>
             <a:ext uri="{91240B29-F687-4f45-9708-019B960494DF}">
-              <a14:hiddenLine xmlns="" xmlns:a14="http://schemas.microsoft.com/office/drawing/2010/main" w="9525">
+              <a14:hiddenLine xmlns:a14="http://schemas.microsoft.com/office/drawing/2010/main" xmlns="" w="9525">
                 <a:solidFill>
                   <a:srgbClr val="000000"/>
                 </a:solidFill>
@@ -19343,14 +19343,14 @@
           </a:ln>
           <a:extLst>
             <a:ext uri="{909E8E84-426E-40dd-AFC4-6F175D3DCCD1}">
-              <a14:hiddenFill xmlns="" xmlns:a14="http://schemas.microsoft.com/office/drawing/2010/main">
+              <a14:hiddenFill xmlns:a14="http://schemas.microsoft.com/office/drawing/2010/main" xmlns="">
                 <a:solidFill>
                   <a:srgbClr val="FFFFFF"/>
                 </a:solidFill>
               </a14:hiddenFill>
             </a:ext>
             <a:ext uri="{91240B29-F687-4f45-9708-019B960494DF}">
-              <a14:hiddenLine xmlns="" xmlns:a14="http://schemas.microsoft.com/office/drawing/2010/main" w="9525">
+              <a14:hiddenLine xmlns:a14="http://schemas.microsoft.com/office/drawing/2010/main" xmlns="" w="9525">
                 <a:solidFill>
                   <a:srgbClr val="000000"/>
                 </a:solidFill>
@@ -19542,14 +19542,14 @@
           </a:ln>
           <a:extLst>
             <a:ext uri="{909E8E84-426E-40dd-AFC4-6F175D3DCCD1}">
-              <a14:hiddenFill xmlns="" xmlns:a14="http://schemas.microsoft.com/office/drawing/2010/main">
+              <a14:hiddenFill xmlns:a14="http://schemas.microsoft.com/office/drawing/2010/main" xmlns="">
                 <a:solidFill>
                   <a:srgbClr val="FFFFFF"/>
                 </a:solidFill>
               </a14:hiddenFill>
             </a:ext>
             <a:ext uri="{91240B29-F687-4f45-9708-019B960494DF}">
-              <a14:hiddenLine xmlns="" xmlns:a14="http://schemas.microsoft.com/office/drawing/2010/main" w="9525">
+              <a14:hiddenLine xmlns:a14="http://schemas.microsoft.com/office/drawing/2010/main" xmlns="" w="9525">
                 <a:solidFill>
                   <a:srgbClr val="000000"/>
                 </a:solidFill>
